--- a/第5章 项目收尾.pptx
+++ b/第5章 项目收尾.pptx
@@ -25,7 +25,7 @@
     <p:sldId id="338" r:id="rId14"/>
     <p:sldId id="343" r:id="rId16"/>
     <p:sldId id="333" r:id="rId17"/>
-    <p:sldId id="342" r:id="rId18"/>
+    <p:sldId id="359" r:id="rId18"/>
     <p:sldId id="334" r:id="rId19"/>
     <p:sldId id="335" r:id="rId20"/>
     <p:sldId id="336" r:id="rId21"/>
@@ -3842,8 +3842,8 @@
         </p:nvSpPr>
         <p:spPr>
           <a:xfrm>
-            <a:off x="1819275" y="1423758"/>
-            <a:ext cx="8524875" cy="5434241"/>
+            <a:off x="400050" y="1423670"/>
+            <a:ext cx="10259695" cy="5434330"/>
           </a:xfrm>
         </p:spPr>
         <p:txBody>
@@ -3993,7 +3993,12 @@
             <p:ph sz="quarter" idx="1"/>
           </p:nvPr>
         </p:nvSpPr>
-        <p:spPr/>
+        <p:spPr>
+          <a:xfrm>
+            <a:off x="393700" y="1489075"/>
+            <a:ext cx="10941685" cy="4313555"/>
+          </a:xfrm>
+        </p:spPr>
         <p:txBody>
           <a:bodyPr/>
           <a:lstStyle/>
@@ -4577,8 +4582,8 @@
         </p:nvSpPr>
         <p:spPr>
           <a:xfrm>
-            <a:off x="1819275" y="1489075"/>
-            <a:ext cx="4619625" cy="4313238"/>
+            <a:off x="400050" y="1489075"/>
+            <a:ext cx="5201920" cy="4313555"/>
           </a:xfrm>
         </p:spPr>
         <p:txBody>
@@ -4646,7 +4651,7 @@
         </p:blipFill>
         <p:spPr bwMode="auto">
           <a:xfrm>
-            <a:off x="6678386" y="1681843"/>
+            <a:off x="6158321" y="1615168"/>
             <a:ext cx="3810000" cy="3810000"/>
           </a:xfrm>
           <a:prstGeom prst="rect">
@@ -5194,8 +5199,8 @@
         </p:nvGrpSpPr>
         <p:grpSpPr bwMode="auto">
           <a:xfrm>
-            <a:off x="4038600" y="1830839"/>
-            <a:ext cx="4724400" cy="685800"/>
+            <a:off x="2210435" y="2020570"/>
+            <a:ext cx="6552565" cy="951230"/>
             <a:chOff x="1296" y="1824"/>
             <a:chExt cx="2976" cy="432"/>
           </a:xfrm>
@@ -5343,7 +5348,7 @@
           <p:spPr bwMode="gray">
             <a:xfrm>
               <a:off x="1395" y="1886"/>
-              <a:ext cx="240" cy="329"/>
+              <a:ext cx="240" cy="237"/>
             </a:xfrm>
             <a:prstGeom prst="rect">
               <a:avLst/>
@@ -5356,7 +5361,7 @@
             <a:effectLst/>
           </p:spPr>
           <p:txBody>
-            <a:bodyPr wrap="none">
+            <a:bodyPr wrap="square">
               <a:spAutoFit/>
             </a:bodyPr>
             <a:lstStyle/>
@@ -5389,8 +5394,8 @@
         </p:nvGrpSpPr>
         <p:grpSpPr bwMode="auto">
           <a:xfrm>
-            <a:off x="4038600" y="2669039"/>
-            <a:ext cx="4724400" cy="685800"/>
+            <a:off x="2210435" y="3369945"/>
+            <a:ext cx="6552565" cy="951230"/>
             <a:chOff x="1296" y="1824"/>
             <a:chExt cx="2976" cy="432"/>
           </a:xfrm>
@@ -5497,8 +5502,8 @@
           </p:nvSpPr>
           <p:spPr bwMode="gray">
             <a:xfrm>
-              <a:off x="1680" y="1934"/>
-              <a:ext cx="2160" cy="251"/>
+              <a:off x="1722" y="1962"/>
+              <a:ext cx="2160" cy="181"/>
             </a:xfrm>
             <a:prstGeom prst="rect">
               <a:avLst/>
@@ -5518,7 +5523,7 @@
             <a:p>
               <a:pPr algn="ctr" eaLnBrk="0" hangingPunct="0"/>
               <a:r>
-                <a:rPr lang="zh-CN" altLang="en-US" sz="2000" b="1" dirty="0" smtClean="0">
+                <a:rPr lang="zh-CN" altLang="en-US" b="1" dirty="0" smtClean="0">
                   <a:solidFill>
                     <a:srgbClr val="FF0000"/>
                   </a:solidFill>
@@ -5527,7 +5532,7 @@
                 </a:rPr>
                 <a:t>结束采购</a:t>
               </a:r>
-              <a:endParaRPr lang="en-US" altLang="zh-CN" sz="2000" b="1" dirty="0">
+              <a:endParaRPr lang="zh-CN" altLang="en-US" b="1" dirty="0" smtClean="0">
                 <a:solidFill>
                   <a:srgbClr val="FF0000"/>
                 </a:solidFill>
@@ -5548,7 +5553,7 @@
           <p:spPr bwMode="gray">
             <a:xfrm>
               <a:off x="1395" y="1886"/>
-              <a:ext cx="240" cy="329"/>
+              <a:ext cx="240" cy="237"/>
             </a:xfrm>
             <a:prstGeom prst="rect">
               <a:avLst/>
@@ -5561,7 +5566,7 @@
             <a:effectLst/>
           </p:spPr>
           <p:txBody>
-            <a:bodyPr wrap="none">
+            <a:bodyPr wrap="square">
               <a:spAutoFit/>
             </a:bodyPr>
             <a:lstStyle/>
@@ -5596,8 +5601,8 @@
         </p:nvSpPr>
         <p:spPr bwMode="gray">
           <a:xfrm>
-            <a:off x="4686297" y="1983693"/>
-            <a:ext cx="3429000" cy="398780"/>
+            <a:off x="3108960" y="2305050"/>
+            <a:ext cx="4755515" cy="398780"/>
           </a:xfrm>
           <a:prstGeom prst="rect">
             <a:avLst/>
@@ -5610,14 +5615,14 @@
           <a:effectLst/>
         </p:spPr>
         <p:txBody>
-          <a:bodyPr>
+          <a:bodyPr wrap="square">
             <a:spAutoFit/>
           </a:bodyPr>
           <a:lstStyle/>
           <a:p>
             <a:pPr algn="ctr" eaLnBrk="0" hangingPunct="0"/>
             <a:r>
-              <a:rPr lang="zh-CN" altLang="en-US" sz="2000" dirty="0" smtClean="0">
+              <a:rPr lang="zh-CN" altLang="en-US" dirty="0" smtClean="0">
                 <a:solidFill>
                   <a:schemeClr val="bg1"/>
                 </a:solidFill>
@@ -5626,7 +5631,7 @@
               </a:rPr>
               <a:t>结束项目</a:t>
             </a:r>
-            <a:endParaRPr lang="en-US" altLang="zh-CN" sz="2000" dirty="0">
+            <a:endParaRPr lang="zh-CN" altLang="en-US" dirty="0" smtClean="0">
               <a:solidFill>
                 <a:schemeClr val="bg1"/>
               </a:solidFill>
@@ -5790,29 +5795,6 @@
       </p:grpSpPr>
       <p:sp>
         <p:nvSpPr>
-          <p:cNvPr id="2" name="标题 1"/>
-          <p:cNvSpPr>
-            <a:spLocks noGrp="1"/>
-          </p:cNvSpPr>
-          <p:nvPr>
-            <p:ph type="title"/>
-          </p:nvPr>
-        </p:nvSpPr>
-        <p:spPr/>
-        <p:txBody>
-          <a:bodyPr/>
-          <a:lstStyle/>
-          <a:p>
-            <a:r>
-              <a:rPr lang="zh-CN" altLang="en-US" sz="3600" dirty="0" smtClean="0"/>
-              <a:t>结束采购的主要工具和技术</a:t>
-            </a:r>
-            <a:endParaRPr lang="zh-CN" altLang="en-US" sz="3600" dirty="0"/>
-          </a:p>
-        </p:txBody>
-      </p:sp>
-      <p:sp>
-        <p:nvSpPr>
           <p:cNvPr id="3" name="内容占位符 2"/>
           <p:cNvSpPr>
             <a:spLocks noGrp="1"/>
@@ -5823,8 +5805,8 @@
         </p:nvSpPr>
         <p:spPr>
           <a:xfrm>
-            <a:off x="1905000" y="1371600"/>
-            <a:ext cx="8229600" cy="4572000"/>
+            <a:off x="400050" y="1371600"/>
+            <a:ext cx="10544810" cy="4572000"/>
           </a:xfrm>
         </p:spPr>
         <p:txBody>
@@ -5893,6 +5875,28 @@
               <a:t>Information Technology Project Management, Fifth Edition, Copyright 2007</a:t>
             </a:r>
             <a:endParaRPr lang="en-US" dirty="0"/>
+          </a:p>
+        </p:txBody>
+      </p:sp>
+      <p:sp>
+        <p:nvSpPr>
+          <p:cNvPr id="5" name="标题 4"/>
+          <p:cNvSpPr/>
+          <p:nvPr>
+            <p:ph type="title"/>
+          </p:nvPr>
+        </p:nvSpPr>
+        <p:spPr/>
+        <p:txBody>
+          <a:bodyPr/>
+          <a:p>
+            <a:r>
+              <a:rPr lang="zh-CN" altLang="en-US" dirty="0" smtClean="0">
+                <a:sym typeface="+mn-ea"/>
+              </a:rPr>
+              <a:t>结束采购的主要工具和技术</a:t>
+            </a:r>
+            <a:endParaRPr lang="zh-CN" altLang="en-US"/>
           </a:p>
         </p:txBody>
       </p:sp>
@@ -6997,8 +7001,8 @@
         </p:nvSpPr>
         <p:spPr>
           <a:xfrm>
-            <a:off x="7841221" y="2596242"/>
-            <a:ext cx="2615323" cy="2726872"/>
+            <a:off x="7840980" y="2596515"/>
+            <a:ext cx="2615565" cy="2877820"/>
           </a:xfrm>
           <a:prstGeom prst="roundRect">
             <a:avLst/>
@@ -7327,7 +7331,12 @@
             <p:ph idx="1"/>
           </p:nvPr>
         </p:nvSpPr>
-        <p:spPr/>
+        <p:spPr>
+          <a:xfrm>
+            <a:off x="393700" y="1489075"/>
+            <a:ext cx="11022965" cy="4313555"/>
+          </a:xfrm>
+        </p:spPr>
         <p:txBody>
           <a:bodyPr/>
           <a:lstStyle/>
@@ -7382,26 +7391,26 @@
           <a:p>
             <a:pPr lvl="1"/>
             <a:r>
-              <a:rPr lang="zh-CN" altLang="en-US" sz="2200" dirty="0" smtClean="0"/>
+              <a:rPr lang="zh-CN" altLang="en-US" sz="2000" dirty="0" smtClean="0"/>
               <a:t>纠错性维护：例如运行阶段才发现了一个潜藏的错误；</a:t>
             </a:r>
-            <a:endParaRPr lang="en-US" altLang="zh-CN" sz="2200" dirty="0" smtClean="0"/>
+            <a:endParaRPr lang="en-US" altLang="zh-CN" sz="2000" dirty="0" smtClean="0"/>
           </a:p>
           <a:p>
             <a:pPr lvl="1"/>
             <a:r>
-              <a:rPr lang="zh-CN" altLang="en-US" sz="2200" dirty="0" smtClean="0"/>
+              <a:rPr lang="zh-CN" altLang="en-US" sz="2000" dirty="0" smtClean="0"/>
               <a:t>适应性维护：例如软件的数据库系统升级了版本；</a:t>
             </a:r>
-            <a:endParaRPr lang="en-US" altLang="zh-CN" sz="2200" dirty="0" smtClean="0"/>
+            <a:endParaRPr lang="en-US" altLang="zh-CN" sz="2000" dirty="0" smtClean="0"/>
           </a:p>
           <a:p>
             <a:pPr lvl="1"/>
             <a:r>
-              <a:rPr lang="zh-CN" altLang="en-US" sz="2200" dirty="0" smtClean="0"/>
+              <a:rPr lang="zh-CN" altLang="en-US" sz="2000" dirty="0" smtClean="0"/>
               <a:t>完善性维护：例如增加一项新的功能；</a:t>
             </a:r>
-            <a:endParaRPr lang="en-US" altLang="zh-CN" sz="2200" dirty="0" smtClean="0"/>
+            <a:endParaRPr lang="en-US" altLang="zh-CN" sz="2000" dirty="0" smtClean="0"/>
           </a:p>
         </p:txBody>
       </p:sp>
@@ -9170,7 +9179,7 @@
         <p:spPr bwMode="gray">
           <a:xfrm>
             <a:off x="3108960" y="2305050"/>
-            <a:ext cx="4755515" cy="414020"/>
+            <a:ext cx="4755515" cy="398780"/>
           </a:xfrm>
           <a:prstGeom prst="rect">
             <a:avLst/>
@@ -9190,7 +9199,7 @@
           <a:p>
             <a:pPr algn="ctr" eaLnBrk="0" hangingPunct="0"/>
             <a:r>
-              <a:rPr lang="zh-CN" altLang="en-US" sz="2100" b="1" dirty="0" smtClean="0">
+              <a:rPr lang="zh-CN" altLang="en-US" b="1" dirty="0" smtClean="0">
                 <a:solidFill>
                   <a:srgbClr val="FF0000"/>
                 </a:solidFill>
@@ -9199,7 +9208,7 @@
               </a:rPr>
               <a:t>结束项目</a:t>
             </a:r>
-            <a:endParaRPr lang="zh-CN" altLang="en-US" sz="2100" b="1" dirty="0" smtClean="0">
+            <a:endParaRPr lang="zh-CN" altLang="en-US" b="1" dirty="0" smtClean="0">
               <a:solidFill>
                 <a:srgbClr val="FF0000"/>
               </a:solidFill>
@@ -9779,34 +9788,6 @@
       </p:grpSpPr>
       <p:sp>
         <p:nvSpPr>
-          <p:cNvPr id="2" name="标题 1"/>
-          <p:cNvSpPr>
-            <a:spLocks noGrp="1"/>
-          </p:cNvSpPr>
-          <p:nvPr>
-            <p:ph type="title"/>
-          </p:nvPr>
-        </p:nvSpPr>
-        <p:spPr>
-          <a:xfrm>
-            <a:off x="1905000" y="293914"/>
-            <a:ext cx="8305800" cy="555172"/>
-          </a:xfrm>
-        </p:spPr>
-        <p:txBody>
-          <a:bodyPr/>
-          <a:lstStyle/>
-          <a:p>
-            <a:r>
-              <a:rPr lang="zh-CN" altLang="en-US" dirty="0" smtClean="0"/>
-              <a:t>客户满意度调查</a:t>
-            </a:r>
-            <a:endParaRPr lang="zh-CN" altLang="en-US" dirty="0"/>
-          </a:p>
-        </p:txBody>
-      </p:sp>
-      <p:sp>
-        <p:nvSpPr>
           <p:cNvPr id="3" name="内容占位符 2"/>
           <p:cNvSpPr>
             <a:spLocks noGrp="1"/>
@@ -9817,8 +9798,8 @@
         </p:nvSpPr>
         <p:spPr>
           <a:xfrm>
-            <a:off x="1905000" y="1404264"/>
-            <a:ext cx="8305800" cy="5453736"/>
+            <a:off x="400050" y="1417320"/>
+            <a:ext cx="10936605" cy="5454015"/>
           </a:xfrm>
         </p:spPr>
         <p:txBody>
@@ -9915,6 +9896,28 @@
               <a:t>如果要寄回公司，则要为客户事先准备好贴好邮票的信封；</a:t>
             </a:r>
             <a:endParaRPr lang="zh-CN" altLang="en-US" dirty="0"/>
+          </a:p>
+        </p:txBody>
+      </p:sp>
+      <p:sp>
+        <p:nvSpPr>
+          <p:cNvPr id="4" name="标题 3"/>
+          <p:cNvSpPr/>
+          <p:nvPr>
+            <p:ph type="title"/>
+          </p:nvPr>
+        </p:nvSpPr>
+        <p:spPr/>
+        <p:txBody>
+          <a:bodyPr/>
+          <a:p>
+            <a:r>
+              <a:rPr lang="zh-CN" altLang="en-US" dirty="0" smtClean="0">
+                <a:sym typeface="+mn-ea"/>
+              </a:rPr>
+              <a:t>客户满意度调查</a:t>
+            </a:r>
+            <a:endParaRPr lang="zh-CN" altLang="en-US"/>
           </a:p>
         </p:txBody>
       </p:sp>
@@ -9983,7 +9986,12 @@
             <p:ph sz="quarter" idx="1"/>
           </p:nvPr>
         </p:nvSpPr>
-        <p:spPr/>
+        <p:spPr>
+          <a:xfrm>
+            <a:off x="393700" y="1489075"/>
+            <a:ext cx="11134090" cy="4313555"/>
+          </a:xfrm>
+        </p:spPr>
         <p:txBody>
           <a:bodyPr/>
           <a:lstStyle/>
